--- a/Tutorato_incontro1.pptx
+++ b/Tutorato_incontro1.pptx
@@ -5685,7 +5685,7 @@
         </p:nvSpPr>
         <p:spPr>
           <a:xfrm>
-            <a:off x="0" y="0"/>
+            <a:off x="0" y="-7750"/>
             <a:ext cx="14630400" cy="8229600"/>
           </a:xfrm>
           <a:prstGeom prst="rect">
@@ -5980,27 +5980,7 @@
                 <a:latin typeface="Spline Sans" pitchFamily="34" charset="0"/>
                 <a:ea typeface="Spline Sans" pitchFamily="34" charset="-122"/>
               </a:rPr>
-              <a:t> [</a:t>
-            </a:r>
-            <a:r>
-              <a:rPr lang="en-US" sz="2000" b="1" dirty="0" err="1">
-                <a:solidFill>
-                  <a:schemeClr val="bg1"/>
-                </a:solidFill>
-                <a:latin typeface="Spline Sans" pitchFamily="34" charset="0"/>
-                <a:ea typeface="Spline Sans" pitchFamily="34" charset="-122"/>
-              </a:rPr>
-              <a:t>Esercizi</a:t>
-            </a:r>
-            <a:r>
-              <a:rPr lang="en-US" sz="2000" b="1" dirty="0">
-                <a:solidFill>
-                  <a:schemeClr val="bg1"/>
-                </a:solidFill>
-                <a:latin typeface="Spline Sans" pitchFamily="34" charset="0"/>
-                <a:ea typeface="Spline Sans" pitchFamily="34" charset="-122"/>
-              </a:rPr>
-              <a:t>]</a:t>
+              <a:t> </a:t>
             </a:r>
           </a:p>
           <a:p>
@@ -6049,27 +6029,7 @@
                 <a:latin typeface="Spline Sans" pitchFamily="34" charset="0"/>
                 <a:ea typeface="Spline Sans" pitchFamily="34" charset="-122"/>
               </a:rPr>
-              <a:t> [</a:t>
-            </a:r>
-            <a:r>
-              <a:rPr lang="en-US" sz="2000" b="1" dirty="0" err="1">
-                <a:solidFill>
-                  <a:schemeClr val="bg1"/>
-                </a:solidFill>
-                <a:latin typeface="Spline Sans" pitchFamily="34" charset="0"/>
-                <a:ea typeface="Spline Sans" pitchFamily="34" charset="-122"/>
-              </a:rPr>
-              <a:t>Esercizi</a:t>
-            </a:r>
-            <a:r>
-              <a:rPr lang="en-US" sz="2000" b="1" dirty="0">
-                <a:solidFill>
-                  <a:schemeClr val="bg1"/>
-                </a:solidFill>
-                <a:latin typeface="Spline Sans" pitchFamily="34" charset="0"/>
-                <a:ea typeface="Spline Sans" pitchFamily="34" charset="-122"/>
-              </a:rPr>
-              <a:t>]</a:t>
+              <a:t> </a:t>
             </a:r>
           </a:p>
           <a:p>
@@ -6138,27 +6098,7 @@
                 <a:latin typeface="Spline Sans" pitchFamily="34" charset="0"/>
                 <a:ea typeface="Spline Sans" pitchFamily="34" charset="-122"/>
               </a:rPr>
-              <a:t>) [</a:t>
-            </a:r>
-            <a:r>
-              <a:rPr lang="en-US" sz="2000" b="1" dirty="0" err="1">
-                <a:solidFill>
-                  <a:schemeClr val="bg1"/>
-                </a:solidFill>
-                <a:latin typeface="Spline Sans" pitchFamily="34" charset="0"/>
-                <a:ea typeface="Spline Sans" pitchFamily="34" charset="-122"/>
-              </a:rPr>
-              <a:t>Esercizi</a:t>
-            </a:r>
-            <a:r>
-              <a:rPr lang="en-US" sz="2000" b="1" dirty="0">
-                <a:solidFill>
-                  <a:schemeClr val="bg1"/>
-                </a:solidFill>
-                <a:latin typeface="Spline Sans" pitchFamily="34" charset="0"/>
-                <a:ea typeface="Spline Sans" pitchFamily="34" charset="-122"/>
-              </a:rPr>
-              <a:t>]</a:t>
+              <a:t>) </a:t>
             </a:r>
           </a:p>
           <a:p>
@@ -6170,34 +6110,34 @@
               <a:buChar char="•"/>
             </a:pPr>
             <a:r>
-              <a:rPr lang="en-US" sz="2000" b="1" dirty="0" err="1">
+              <a:rPr lang="en-US" sz="2000" b="1" dirty="0">
                 <a:solidFill>
                   <a:schemeClr val="bg1"/>
                 </a:solidFill>
                 <a:latin typeface="Spline Sans" pitchFamily="34" charset="0"/>
                 <a:ea typeface="Spline Sans" pitchFamily="34" charset="-122"/>
               </a:rPr>
-              <a:t>Strutture</a:t>
-            </a:r>
-            <a:r>
-              <a:rPr lang="en-US" sz="2000" b="1" dirty="0">
+              <a:t>Heap, Heapsort e code di </a:t>
+            </a:r>
+            <a:r>
+              <a:rPr lang="en-US" sz="2000" b="1" dirty="0" err="1">
                 <a:solidFill>
                   <a:schemeClr val="bg1"/>
                 </a:solidFill>
                 <a:latin typeface="Spline Sans" pitchFamily="34" charset="0"/>
                 <a:ea typeface="Spline Sans" pitchFamily="34" charset="-122"/>
               </a:rPr>
-              <a:t> </a:t>
-            </a:r>
-            <a:r>
-              <a:rPr lang="en-US" sz="2000" b="1" dirty="0" err="1">
+              <a:t>priorità</a:t>
+            </a:r>
+            <a:r>
+              <a:rPr lang="en-US" sz="2000" b="1">
                 <a:solidFill>
                   <a:schemeClr val="bg1"/>
                 </a:solidFill>
                 <a:latin typeface="Spline Sans" pitchFamily="34" charset="0"/>
                 <a:ea typeface="Spline Sans" pitchFamily="34" charset="-122"/>
               </a:rPr>
-              <a:t>dati</a:t>
+              <a:t> procedure </a:t>
             </a:r>
             <a:r>
               <a:rPr lang="en-US" sz="2000" b="1" dirty="0">
@@ -6207,43 +6147,7 @@
                 <a:latin typeface="Spline Sans" pitchFamily="34" charset="0"/>
                 <a:ea typeface="Spline Sans" pitchFamily="34" charset="-122"/>
               </a:rPr>
-              <a:t> e </a:t>
-            </a:r>
-            <a:r>
-              <a:rPr lang="en-US" sz="2000" b="1" dirty="0" err="1">
-                <a:solidFill>
-                  <a:schemeClr val="bg1"/>
-                </a:solidFill>
-                <a:latin typeface="Spline Sans" pitchFamily="34" charset="0"/>
-                <a:ea typeface="Spline Sans" pitchFamily="34" charset="-122"/>
-              </a:rPr>
-              <a:t>algoritmi</a:t>
-            </a:r>
-            <a:endParaRPr lang="en-US" sz="2000" b="1" dirty="0">
-              <a:solidFill>
-                <a:schemeClr val="bg1"/>
-              </a:solidFill>
-              <a:latin typeface="Spline Sans" pitchFamily="34" charset="0"/>
-              <a:ea typeface="Spline Sans" pitchFamily="34" charset="-122"/>
-            </a:endParaRPr>
-          </a:p>
-          <a:p>
-            <a:pPr marL="742950" lvl="1" indent="-285750">
-              <a:lnSpc>
-                <a:spcPts val="2799"/>
-              </a:lnSpc>
-              <a:buFont typeface="Arial" panose="020B0604020202020204" pitchFamily="34" charset="0"/>
-              <a:buChar char="•"/>
-            </a:pPr>
-            <a:r>
-              <a:rPr lang="en-US" sz="2000" b="1" dirty="0">
-                <a:solidFill>
-                  <a:schemeClr val="bg1"/>
-                </a:solidFill>
-                <a:latin typeface="Spline Sans" pitchFamily="34" charset="0"/>
-                <a:ea typeface="Spline Sans" pitchFamily="34" charset="-122"/>
-              </a:rPr>
-              <a:t>Heap, Heapsort procedure e </a:t>
+              <a:t>e </a:t>
             </a:r>
             <a:r>
               <a:rPr lang="en-US" sz="2000" b="1" dirty="0" err="1">
